--- a/lectures/pptx/8_Lecture_eight.pptx
+++ b/lectures/pptx/8_Lecture_eight.pptx
@@ -5,10 +5,10 @@
     <p:sldMasterId id="2147483652" r:id="rId4"/>
   </p:sldMasterIdLst>
   <p:notesMasterIdLst>
-    <p:notesMasterId r:id="rId41"/>
+    <p:notesMasterId r:id="rId40"/>
   </p:notesMasterIdLst>
   <p:handoutMasterIdLst>
-    <p:handoutMasterId r:id="rId42"/>
+    <p:handoutMasterId r:id="rId41"/>
   </p:handoutMasterIdLst>
   <p:sldIdLst>
     <p:sldId id="261" r:id="rId5"/>
@@ -46,7 +46,6 @@
     <p:sldId id="490" r:id="rId37"/>
     <p:sldId id="491" r:id="rId38"/>
     <p:sldId id="479" r:id="rId39"/>
-    <p:sldId id="476" r:id="rId40"/>
   </p:sldIdLst>
   <p:sldSz cx="9144000" cy="6858000" type="screen4x3"/>
   <p:notesSz cx="6858000" cy="9144000"/>
@@ -4467,132 +4466,6 @@
     <p:extLst>
       <p:ext uri="{BB962C8B-B14F-4D97-AF65-F5344CB8AC3E}">
         <p14:creationId xmlns:p14="http://schemas.microsoft.com/office/powerpoint/2010/main" val="3881409510"/>
-      </p:ext>
-    </p:extLst>
-  </p:cSld>
-  <p:clrMapOvr>
-    <a:masterClrMapping/>
-  </p:clrMapOvr>
-</p:notes>
-</file>
-
-<file path=ppt/notesSlides/notesSlide35.xml><?xml version="1.0" encoding="utf-8"?>
-<p:notes xmlns:a="http://schemas.openxmlformats.org/drawingml/2006/main" xmlns:r="http://schemas.openxmlformats.org/officeDocument/2006/relationships" xmlns:p="http://schemas.openxmlformats.org/presentationml/2006/main">
-  <p:cSld>
-    <p:spTree>
-      <p:nvGrpSpPr>
-        <p:cNvPr id="1" name=""/>
-        <p:cNvGrpSpPr/>
-        <p:nvPr/>
-      </p:nvGrpSpPr>
-      <p:grpSpPr>
-        <a:xfrm>
-          <a:off x="0" y="0"/>
-          <a:ext cx="0" cy="0"/>
-          <a:chOff x="0" y="0"/>
-          <a:chExt cx="0" cy="0"/>
-        </a:xfrm>
-      </p:grpSpPr>
-      <p:sp>
-        <p:nvSpPr>
-          <p:cNvPr id="22529" name="Rectangle 1"/>
-          <p:cNvSpPr>
-            <a:spLocks noGrp="1" noRot="1" noChangeAspect="1" noChangeArrowheads="1"/>
-          </p:cNvSpPr>
-          <p:nvPr>
-            <p:ph type="sldImg"/>
-          </p:nvPr>
-        </p:nvSpPr>
-        <p:spPr bwMode="auto">
-          <a:xfrm>
-            <a:off x="1143000" y="685800"/>
-            <a:ext cx="4572000" cy="3429000"/>
-          </a:xfrm>
-          <a:prstGeom prst="rect">
-            <a:avLst/>
-          </a:prstGeom>
-          <a:solidFill>
-            <a:srgbClr val="FFFFFF"/>
-          </a:solidFill>
-          <a:ln>
-            <a:solidFill>
-              <a:srgbClr val="000000"/>
-            </a:solidFill>
-            <a:miter lim="800000"/>
-            <a:headEnd/>
-            <a:tailEnd/>
-          </a:ln>
-        </p:spPr>
-      </p:sp>
-      <p:sp>
-        <p:nvSpPr>
-          <p:cNvPr id="22530" name="Rectangle 2"/>
-          <p:cNvSpPr>
-            <a:spLocks noGrp="1" noChangeArrowheads="1"/>
-          </p:cNvSpPr>
-          <p:nvPr>
-            <p:ph type="body" idx="1"/>
-          </p:nvPr>
-        </p:nvSpPr>
-        <p:spPr bwMode="auto">
-          <a:xfrm>
-            <a:off x="685800" y="4343400"/>
-            <a:ext cx="5486400" cy="4114800"/>
-          </a:xfrm>
-          <a:prstGeom prst="rect">
-            <a:avLst/>
-          </a:prstGeom>
-          <a:noFill/>
-          <a:ln/>
-          <a:extLst>
-            <a:ext uri="{909E8E84-426E-40DD-AFC4-6F175D3DCCD1}">
-              <a14:hiddenFill xmlns:a14="http://schemas.microsoft.com/office/drawing/2010/main">
-                <a:solidFill>
-                  <a:srgbClr val="FFFFFF"/>
-                </a:solidFill>
-              </a14:hiddenFill>
-            </a:ext>
-            <a:ext uri="{91240B29-F687-4F45-9708-019B960494DF}">
-              <a14:hiddenLine xmlns:a14="http://schemas.microsoft.com/office/drawing/2010/main" w="9525">
-                <a:solidFill>
-                  <a:srgbClr val="000000"/>
-                </a:solidFill>
-                <a:miter lim="800000"/>
-                <a:headEnd/>
-                <a:tailEnd/>
-              </a14:hiddenLine>
-            </a:ext>
-            <a:ext uri="{AF507438-7753-43E0-B8FC-AC1667EBCBE1}">
-              <a14:hiddenEffects xmlns:a14="http://schemas.microsoft.com/office/drawing/2010/main">
-                <a:effectLst>
-                  <a:outerShdw dist="35921" dir="2700000" algn="ctr" rotWithShape="0">
-                    <a:srgbClr val="808080"/>
-                  </a:outerShdw>
-                </a:effectLst>
-              </a14:hiddenEffects>
-            </a:ext>
-            <a:ext uri="{53640926-AAD7-44D8-BBD7-CCE9431645EC}">
-              <a14:shadowObscured xmlns:a14="http://schemas.microsoft.com/office/drawing/2010/main" val="1"/>
-            </a:ext>
-          </a:extLst>
-        </p:spPr>
-        <p:txBody>
-          <a:bodyPr/>
-          <a:lstStyle/>
-          <a:p>
-            <a:endParaRPr lang="en-US" altLang="en-US" sz="2200" dirty="0">
-              <a:latin typeface="Lucida Grande" charset="0"/>
-              <a:ea typeface="Lucida Grande" charset="0"/>
-              <a:cs typeface="Lucida Grande" charset="0"/>
-              <a:sym typeface="Lucida Grande" charset="0"/>
-            </a:endParaRPr>
-          </a:p>
-        </p:txBody>
-      </p:sp>
-    </p:spTree>
-    <p:extLst>
-      <p:ext uri="{BB962C8B-B14F-4D97-AF65-F5344CB8AC3E}">
-        <p14:creationId xmlns:p14="http://schemas.microsoft.com/office/powerpoint/2010/main" val="3759809830"/>
       </p:ext>
     </p:extLst>
   </p:cSld>
@@ -9358,15 +9231,7 @@
                   <a:srgbClr val="000000"/>
                 </a:solidFill>
               </a:rPr>
-              <a:t>Lecture </a:t>
-            </a:r>
-            <a:r>
-              <a:rPr lang="en-US" sz="2400" kern="0" dirty="0" smtClean="0">
-                <a:solidFill>
-                  <a:srgbClr val="000000"/>
-                </a:solidFill>
-              </a:rPr>
-              <a:t>eight: </a:t>
+              <a:t>Lecture eight: </a:t>
             </a:r>
             <a:r>
               <a:rPr lang="en-GB" sz="2400" kern="0" dirty="0">
@@ -9464,7 +9329,7 @@
         <p:spPr>
           <a:xfrm>
             <a:off x="2987824" y="1556792"/>
-            <a:ext cx="2880320" cy="4832092"/>
+            <a:ext cx="2880320" cy="4616648"/>
           </a:xfrm>
           <a:prstGeom prst="rect">
             <a:avLst/>
@@ -9493,10 +9358,14 @@
               <a:rPr lang="en-US" sz="1400" dirty="0" smtClean="0">
                 <a:latin typeface="+mn-lt"/>
               </a:rPr>
-              <a:t>By using their coordinates in three dimensions</a:t>
-            </a:r>
-          </a:p>
-          <a:p>
+              <a:t>By using their coordinates in three </a:t>
+            </a:r>
+            <a:r>
+              <a:rPr lang="en-US" sz="1400" dirty="0" smtClean="0">
+                <a:latin typeface="+mn-lt"/>
+              </a:rPr>
+              <a:t>dimensions</a:t>
+            </a:r>
             <a:endParaRPr lang="en-US" sz="1400" dirty="0" smtClean="0">
               <a:latin typeface="+mn-lt"/>
             </a:endParaRPr>
@@ -9994,7 +9863,7 @@
           <a:effectLst/>
           <a:extLst>
             <a:ext uri="{AF507438-7753-43e0-B8FC-AC1667EBCBE1}">
-              <a14:hiddenEffects xmlns:a14="http://schemas.microsoft.com/office/drawing/2010/main" xmlns="">
+              <a14:hiddenEffects xmlns="" xmlns:a14="http://schemas.microsoft.com/office/drawing/2010/main">
                 <a:effectLst>
                   <a:outerShdw blurRad="63500" dist="38099" dir="2700000" algn="ctr" rotWithShape="0">
                     <a:schemeClr val="bg2">
@@ -11330,8 +11199,27 @@
                 <a:ea typeface="SimSun" panose="02010600030101010101" pitchFamily="2" charset="-122"/>
                 <a:cs typeface="Courier New" panose="02070309020205020404" pitchFamily="49" charset="0"/>
               </a:rPr>
-              <a:t> index;</a:t>
-            </a:r>
+              <a:t> </a:t>
+            </a:r>
+            <a:r>
+              <a:rPr lang="pt-BR" sz="1000" b="1" dirty="0" smtClean="0">
+                <a:solidFill>
+                  <a:srgbClr val="080808"/>
+                </a:solidFill>
+                <a:latin typeface="Courier New" panose="02070309020205020404" pitchFamily="49" charset="0"/>
+                <a:ea typeface="SimSun" panose="02010600030101010101" pitchFamily="2" charset="-122"/>
+                <a:cs typeface="Courier New" panose="02070309020205020404" pitchFamily="49" charset="0"/>
+              </a:rPr>
+              <a:t>index=blockIdx.x*blockDim.x + threadIdx.x;</a:t>
+            </a:r>
+            <a:endParaRPr lang="pt-BR" sz="1000" b="1" dirty="0">
+              <a:solidFill>
+                <a:srgbClr val="080808"/>
+              </a:solidFill>
+              <a:latin typeface="Courier New" panose="02070309020205020404" pitchFamily="49" charset="0"/>
+              <a:ea typeface="SimSun" panose="02010600030101010101" pitchFamily="2" charset="-122"/>
+              <a:cs typeface="Courier New" panose="02070309020205020404" pitchFamily="49" charset="0"/>
+            </a:endParaRPr>
           </a:p>
           <a:p>
             <a:r>
@@ -11464,7 +11352,7 @@
         <p:spPr>
           <a:xfrm>
             <a:off x="4644008" y="1412776"/>
-            <a:ext cx="4104456" cy="5170646"/>
+            <a:ext cx="4392488" cy="5016758"/>
           </a:xfrm>
           <a:prstGeom prst="rect">
             <a:avLst/>
@@ -11724,7 +11612,40 @@
                 <a:ea typeface="SimSun" panose="02010600030101010101" pitchFamily="2" charset="-122"/>
                 <a:cs typeface="Courier New" panose="02070309020205020404" pitchFamily="49" charset="0"/>
               </a:rPr>
-              <a:t> index = ...;</a:t>
+              <a:t> </a:t>
+            </a:r>
+            <a:r>
+              <a:rPr lang="pt-BR" sz="1000" b="1" dirty="0" smtClean="0">
+                <a:solidFill>
+                  <a:srgbClr val="080808"/>
+                </a:solidFill>
+                <a:latin typeface="Courier New" panose="02070309020205020404" pitchFamily="49" charset="0"/>
+                <a:ea typeface="SimSun" panose="02010600030101010101" pitchFamily="2" charset="-122"/>
+                <a:cs typeface="Courier New" panose="02070309020205020404" pitchFamily="49" charset="0"/>
+              </a:rPr>
+              <a:t>index=</a:t>
+            </a:r>
+            <a:r>
+              <a:rPr lang="pt-BR" sz="1000" b="1" dirty="0" smtClean="0">
+                <a:solidFill>
+                  <a:srgbClr val="080808"/>
+                </a:solidFill>
+                <a:latin typeface="Courier New" panose="02070309020205020404" pitchFamily="49" charset="0"/>
+                <a:ea typeface="SimSun" panose="02010600030101010101" pitchFamily="2" charset="-122"/>
+                <a:cs typeface="Courier New" panose="02070309020205020404" pitchFamily="49" charset="0"/>
+              </a:rPr>
+              <a:t>index=blockIdx.x*blockDim.x + threadIdx.x</a:t>
+            </a:r>
+            <a:r>
+              <a:rPr lang="pt-BR" sz="1000" b="1" dirty="0">
+                <a:solidFill>
+                  <a:srgbClr val="080808"/>
+                </a:solidFill>
+                <a:latin typeface="Courier New" panose="02070309020205020404" pitchFamily="49" charset="0"/>
+                <a:ea typeface="SimSun" panose="02010600030101010101" pitchFamily="2" charset="-122"/>
+                <a:cs typeface="Courier New" panose="02070309020205020404" pitchFamily="49" charset="0"/>
+              </a:rPr>
+              <a:t>;</a:t>
             </a:r>
             <a:endParaRPr lang="pt-BR" sz="1000" b="1" dirty="0">
               <a:solidFill>
@@ -12274,23 +12195,23 @@
                 <a:ea typeface="SimSun" panose="02010600030101010101" pitchFamily="2" charset="-122"/>
                 <a:cs typeface="Courier New" panose="02070309020205020404" pitchFamily="49" charset="0"/>
               </a:rPr>
-              <a:t>2); </a:t>
-            </a:r>
-            <a:r>
-              <a:rPr lang="pt-BR" sz="1000" b="1" dirty="0">
-                <a:solidFill>
-                  <a:srgbClr val="00B050"/>
-                </a:solidFill>
-                <a:latin typeface="Courier New" panose="02070309020205020404" pitchFamily="49" charset="0"/>
-                <a:ea typeface="SimSun" panose="02010600030101010101" pitchFamily="2" charset="-122"/>
-                <a:cs typeface="Courier New" panose="02070309020205020404" pitchFamily="49" charset="0"/>
-              </a:rPr>
-              <a:t>// unused dimension must be 1</a:t>
-            </a:r>
-          </a:p>
-          <a:p>
-            <a:r>
-              <a:rPr lang="pt-BR" sz="1000" b="1" dirty="0">
+              <a:t>2</a:t>
+            </a:r>
+            <a:r>
+              <a:rPr lang="pt-BR" sz="1000" b="1" dirty="0" smtClean="0">
+                <a:solidFill>
+                  <a:srgbClr val="080808"/>
+                </a:solidFill>
+                <a:latin typeface="Courier New" panose="02070309020205020404" pitchFamily="49" charset="0"/>
+                <a:ea typeface="SimSun" panose="02010600030101010101" pitchFamily="2" charset="-122"/>
+                <a:cs typeface="Courier New" panose="02070309020205020404" pitchFamily="49" charset="0"/>
+              </a:rPr>
+              <a:t>);</a:t>
+            </a:r>
+          </a:p>
+          <a:p>
+            <a:r>
+              <a:rPr lang="pt-BR" sz="1000" b="1" dirty="0" smtClean="0">
                 <a:solidFill>
                   <a:srgbClr val="66CCFF"/>
                 </a:solidFill>
@@ -12301,7 +12222,7 @@
               <a:t>dim3</a:t>
             </a:r>
             <a:r>
-              <a:rPr lang="pt-BR" sz="1000" b="1" dirty="0">
+              <a:rPr lang="pt-BR" sz="1000" b="1" dirty="0" smtClean="0">
                 <a:solidFill>
                   <a:srgbClr val="00B050"/>
                 </a:solidFill>
@@ -13715,7 +13636,29 @@
                 <a:ea typeface="SimSun" panose="02010600030101010101" pitchFamily="2" charset="-122"/>
                 <a:cs typeface="Courier New" panose="02070309020205020404" pitchFamily="49" charset="0"/>
               </a:rPr>
-              <a:t>// and on the device if called from device.</a:t>
+              <a:t>// and on the device if called </a:t>
+            </a:r>
+            <a:r>
+              <a:rPr lang="pt-BR" sz="1000" b="1" dirty="0" smtClean="0">
+                <a:solidFill>
+                  <a:srgbClr val="00B050"/>
+                </a:solidFill>
+                <a:latin typeface="Courier New" panose="02070309020205020404" pitchFamily="49" charset="0"/>
+                <a:ea typeface="SimSun" panose="02010600030101010101" pitchFamily="2" charset="-122"/>
+                <a:cs typeface="Courier New" panose="02070309020205020404" pitchFamily="49" charset="0"/>
+              </a:rPr>
+              <a:t>from the </a:t>
+            </a:r>
+            <a:r>
+              <a:rPr lang="pt-BR" sz="1000" b="1" dirty="0" smtClean="0">
+                <a:solidFill>
+                  <a:srgbClr val="00B050"/>
+                </a:solidFill>
+                <a:latin typeface="Courier New" panose="02070309020205020404" pitchFamily="49" charset="0"/>
+                <a:ea typeface="SimSun" panose="02010600030101010101" pitchFamily="2" charset="-122"/>
+                <a:cs typeface="Courier New" panose="02070309020205020404" pitchFamily="49" charset="0"/>
+              </a:rPr>
+              <a:t>device.</a:t>
             </a:r>
           </a:p>
           <a:p>
@@ -14131,7 +14074,40 @@
               <a:rPr lang="en-US" sz="1400" dirty="0" smtClean="0">
                 <a:latin typeface="+mn-lt"/>
               </a:rPr>
-              <a:t>Only means of cooperation (reasonable) is among threads from the same block. These threads can:</a:t>
+              <a:t>Only</a:t>
+            </a:r>
+            <a:r>
+              <a:rPr lang="en-US" sz="1400" dirty="0">
+                <a:solidFill>
+                  <a:srgbClr val="C2470C"/>
+                </a:solidFill>
+                <a:latin typeface="Arial" panose="020B0604020202020204"/>
+              </a:rPr>
+              <a:t> (reasonable)</a:t>
+            </a:r>
+            <a:r>
+              <a:rPr lang="en-US" sz="1400" dirty="0" smtClean="0">
+                <a:latin typeface="+mn-lt"/>
+              </a:rPr>
+              <a:t>  </a:t>
+            </a:r>
+            <a:r>
+              <a:rPr lang="en-US" sz="1400" dirty="0" smtClean="0">
+                <a:latin typeface="+mn-lt"/>
+              </a:rPr>
+              <a:t>means of cooperation </a:t>
+            </a:r>
+            <a:r>
+              <a:rPr lang="en-US" sz="1400" dirty="0" smtClean="0">
+                <a:latin typeface="+mn-lt"/>
+              </a:rPr>
+              <a:t>is </a:t>
+            </a:r>
+            <a:r>
+              <a:rPr lang="en-US" sz="1400" dirty="0" smtClean="0">
+                <a:latin typeface="+mn-lt"/>
+              </a:rPr>
+              <a:t>among threads from the same block. These threads can:</a:t>
             </a:r>
           </a:p>
           <a:p>
@@ -15576,11 +15552,14 @@
           <a:lstStyle/>
           <a:p>
             <a:r>
-              <a:rPr lang="en-US" sz="1400" dirty="0" smtClean="0">
+              <a:rPr lang="en-US" sz="1400" b="1" dirty="0" smtClean="0">
                 <a:latin typeface="+mn-lt"/>
               </a:rPr>
-              <a:t>We can map the problem also like this:</a:t>
-            </a:r>
+              <a:t>Another way:</a:t>
+            </a:r>
+            <a:endParaRPr lang="en-US" sz="1400" b="1" dirty="0" smtClean="0">
+              <a:latin typeface="+mn-lt"/>
+            </a:endParaRPr>
           </a:p>
           <a:p>
             <a:pPr lvl="0"/>
@@ -15900,11 +15879,20 @@
           </a:p>
           <a:p>
             <a:r>
-              <a:rPr lang="en-US" sz="1400" dirty="0" smtClean="0">
+              <a:rPr lang="en-US" sz="1400" b="1" dirty="0" smtClean="0">
                 <a:latin typeface="+mn-lt"/>
               </a:rPr>
-              <a:t> Yet another way of mapping the problem is:</a:t>
-            </a:r>
+              <a:t> Yet another </a:t>
+            </a:r>
+            <a:r>
+              <a:rPr lang="en-US" sz="1400" b="1" dirty="0" smtClean="0">
+                <a:latin typeface="+mn-lt"/>
+              </a:rPr>
+              <a:t>way:</a:t>
+            </a:r>
+            <a:endParaRPr lang="en-US" sz="1400" b="1" dirty="0" smtClean="0">
+              <a:latin typeface="+mn-lt"/>
+            </a:endParaRPr>
           </a:p>
           <a:p>
             <a:pPr lvl="0"/>
@@ -23478,7 +23466,19 @@
               <a:rPr lang="en-GB" sz="1400" dirty="0" smtClean="0">
                 <a:latin typeface="+mn-lt"/>
               </a:rPr>
-              <a:t>Data can be accessed using a one pointer on the host and as well as on the device.</a:t>
+              <a:t>Data can be accessed using </a:t>
+            </a:r>
+            <a:r>
+              <a:rPr lang="en-GB" sz="1400" dirty="0" smtClean="0">
+                <a:latin typeface="+mn-lt"/>
+              </a:rPr>
+              <a:t>only </a:t>
+            </a:r>
+            <a:r>
+              <a:rPr lang="en-GB" sz="1400" dirty="0" smtClean="0">
+                <a:latin typeface="+mn-lt"/>
+              </a:rPr>
+              <a:t>one pointer on the host and as well as on the device.</a:t>
             </a:r>
             <a:endParaRPr lang="en-GB" sz="1400" dirty="0">
               <a:latin typeface="+mn-lt"/>
@@ -24959,7 +24959,7 @@
         <p:spPr>
           <a:xfrm>
             <a:off x="4713188" y="4162153"/>
-            <a:ext cx="4032448" cy="2246769"/>
+            <a:ext cx="4032448" cy="2092881"/>
           </a:xfrm>
           <a:prstGeom prst="rect">
             <a:avLst/>
@@ -24981,12 +24981,10 @@
                 <a:ea typeface="SimSun" panose="02010600030101010101" pitchFamily="2" charset="-122"/>
                 <a:cs typeface="Courier New" panose="02070309020205020404" pitchFamily="49" charset="0"/>
               </a:rPr>
-              <a:t>// Example of kernel definition</a:t>
-            </a:r>
-          </a:p>
-          <a:p>
-            <a:r>
-              <a:rPr lang="pt-BR" sz="1000" b="1" dirty="0">
+              <a:t>// </a:t>
+            </a:r>
+            <a:r>
+              <a:rPr lang="pt-BR" sz="1000" b="1" dirty="0" smtClean="0">
                 <a:solidFill>
                   <a:srgbClr val="00B050"/>
                 </a:solidFill>
@@ -24994,7 +24992,18 @@
                 <a:ea typeface="SimSun" panose="02010600030101010101" pitchFamily="2" charset="-122"/>
                 <a:cs typeface="Courier New" panose="02070309020205020404" pitchFamily="49" charset="0"/>
               </a:rPr>
-              <a:t>// for vector addition</a:t>
+              <a:t>kernel for </a:t>
+            </a:r>
+            <a:r>
+              <a:rPr lang="pt-BR" sz="1000" b="1" dirty="0">
+                <a:solidFill>
+                  <a:srgbClr val="00B050"/>
+                </a:solidFill>
+                <a:latin typeface="Courier New" panose="02070309020205020404" pitchFamily="49" charset="0"/>
+                <a:ea typeface="SimSun" panose="02010600030101010101" pitchFamily="2" charset="-122"/>
+                <a:cs typeface="Courier New" panose="02070309020205020404" pitchFamily="49" charset="0"/>
+              </a:rPr>
+              <a:t>vector addition</a:t>
             </a:r>
           </a:p>
           <a:p>
@@ -25603,8 +25612,8 @@
         </p:blipFill>
         <p:spPr>
           <a:xfrm>
-            <a:off x="4258220" y="1603077"/>
-            <a:ext cx="4343400" cy="771525"/>
+            <a:off x="4355976" y="1493154"/>
+            <a:ext cx="4245644" cy="927733"/>
           </a:xfrm>
           <a:prstGeom prst="rect">
             <a:avLst/>
@@ -25724,16 +25733,22 @@
               <a:t>The difference between two other ways of mapping vector addition onto a GPU is that a single thread is processing </a:t>
             </a:r>
             <a:r>
-              <a:rPr lang="en-US" sz="1400" b="1" dirty="0" smtClean="0">
+              <a:rPr lang="en-US" sz="1400" b="1" dirty="0">
                 <a:latin typeface="+mn-lt"/>
               </a:rPr>
-              <a:t>m</a:t>
+              <a:t>M</a:t>
             </a:r>
             <a:r>
               <a:rPr lang="en-US" sz="1400" dirty="0" smtClean="0">
                 <a:latin typeface="+mn-lt"/>
               </a:rPr>
-              <a:t> elements but with different step size.</a:t>
+              <a:t> </a:t>
+            </a:r>
+            <a:r>
+              <a:rPr lang="en-US" sz="1400" dirty="0" smtClean="0">
+                <a:latin typeface="+mn-lt"/>
+              </a:rPr>
+              <a:t>elements but with different step size.</a:t>
             </a:r>
           </a:p>
           <a:p>
@@ -32243,1197 +32258,6 @@
     <p:extLst>
       <p:ext uri="{BB962C8B-B14F-4D97-AF65-F5344CB8AC3E}">
         <p14:creationId xmlns:p14="http://schemas.microsoft.com/office/powerpoint/2010/main" val="58321118"/>
-      </p:ext>
-    </p:extLst>
-  </p:cSld>
-  <p:clrMapOvr>
-    <a:masterClrMapping/>
-  </p:clrMapOvr>
-  <mc:AlternateContent xmlns:mc="http://schemas.openxmlformats.org/markup-compatibility/2006" xmlns:p14="http://schemas.microsoft.com/office/powerpoint/2010/main">
-    <mc:Choice Requires="p14">
-      <p:transition spd="slow" p14:dur="2000"/>
-    </mc:Choice>
-    <mc:Fallback xmlns="">
-      <p:transition spd="slow"/>
-    </mc:Fallback>
-  </mc:AlternateContent>
-  <p:timing>
-    <p:tnLst>
-      <p:par>
-        <p:cTn id="1" dur="indefinite" restart="never" nodeType="tmRoot"/>
-      </p:par>
-    </p:tnLst>
-  </p:timing>
-</p:sld>
-</file>
-
-<file path=ppt/slides/slide36.xml><?xml version="1.0" encoding="utf-8"?>
-<p:sld xmlns:a="http://schemas.openxmlformats.org/drawingml/2006/main" xmlns:r="http://schemas.openxmlformats.org/officeDocument/2006/relationships" xmlns:p="http://schemas.openxmlformats.org/presentationml/2006/main">
-  <p:cSld>
-    <p:spTree>
-      <p:nvGrpSpPr>
-        <p:cNvPr id="1" name=""/>
-        <p:cNvGrpSpPr/>
-        <p:nvPr/>
-      </p:nvGrpSpPr>
-      <p:grpSpPr>
-        <a:xfrm>
-          <a:off x="0" y="0"/>
-          <a:ext cx="0" cy="0"/>
-          <a:chOff x="0" y="0"/>
-          <a:chExt cx="0" cy="0"/>
-        </a:xfrm>
-      </p:grpSpPr>
-      <p:sp>
-        <p:nvSpPr>
-          <p:cNvPr id="7" name="Rectangle 6"/>
-          <p:cNvSpPr/>
-          <p:nvPr/>
-        </p:nvSpPr>
-        <p:spPr>
-          <a:xfrm>
-            <a:off x="467544" y="476672"/>
-            <a:ext cx="7056784" cy="461665"/>
-          </a:xfrm>
-          <a:prstGeom prst="rect">
-            <a:avLst/>
-          </a:prstGeom>
-        </p:spPr>
-        <p:txBody>
-          <a:bodyPr wrap="square">
-            <a:spAutoFit/>
-          </a:bodyPr>
-          <a:lstStyle/>
-          <a:p>
-            <a:r>
-              <a:rPr lang="en-US" b="1" dirty="0" smtClean="0">
-                <a:solidFill>
-                  <a:schemeClr val="bg1"/>
-                </a:solidFill>
-                <a:latin typeface="Arial" panose="020B0604020202020204" pitchFamily="34" charset="0"/>
-              </a:rPr>
-              <a:t>Indexing – 3D tensor addition</a:t>
-            </a:r>
-            <a:endParaRPr lang="en-GB" b="1" dirty="0">
-              <a:solidFill>
-                <a:schemeClr val="bg1"/>
-              </a:solidFill>
-              <a:latin typeface="Arial" panose="020B0604020202020204" pitchFamily="34" charset="0"/>
-            </a:endParaRPr>
-          </a:p>
-        </p:txBody>
-      </p:sp>
-      <p:pic>
-        <p:nvPicPr>
-          <p:cNvPr id="2" name="Picture 1"/>
-          <p:cNvPicPr>
-            <a:picLocks noChangeAspect="1"/>
-          </p:cNvPicPr>
-          <p:nvPr/>
-        </p:nvPicPr>
-        <p:blipFill>
-          <a:blip r:embed="rId3">
-            <a:extLst>
-              <a:ext uri="{28A0092B-C50C-407E-A947-70E740481C1C}">
-                <a14:useLocalDpi xmlns:a14="http://schemas.microsoft.com/office/drawing/2010/main" val="0"/>
-              </a:ext>
-            </a:extLst>
-          </a:blip>
-          <a:stretch>
-            <a:fillRect/>
-          </a:stretch>
-        </p:blipFill>
-        <p:spPr>
-          <a:xfrm>
-            <a:off x="467544" y="1628800"/>
-            <a:ext cx="3686175" cy="1257300"/>
-          </a:xfrm>
-          <a:prstGeom prst="rect">
-            <a:avLst/>
-          </a:prstGeom>
-        </p:spPr>
-      </p:pic>
-      <p:pic>
-        <p:nvPicPr>
-          <p:cNvPr id="4" name="Picture 3"/>
-          <p:cNvPicPr>
-            <a:picLocks noChangeAspect="1"/>
-          </p:cNvPicPr>
-          <p:nvPr/>
-        </p:nvPicPr>
-        <p:blipFill>
-          <a:blip r:embed="rId4">
-            <a:extLst>
-              <a:ext uri="{28A0092B-C50C-407E-A947-70E740481C1C}">
-                <a14:useLocalDpi xmlns:a14="http://schemas.microsoft.com/office/drawing/2010/main" val="0"/>
-              </a:ext>
-            </a:extLst>
-          </a:blip>
-          <a:stretch>
-            <a:fillRect/>
-          </a:stretch>
-        </p:blipFill>
-        <p:spPr>
-          <a:xfrm>
-            <a:off x="395536" y="3717032"/>
-            <a:ext cx="3686175" cy="1257300"/>
-          </a:xfrm>
-          <a:prstGeom prst="rect">
-            <a:avLst/>
-          </a:prstGeom>
-        </p:spPr>
-      </p:pic>
-      <p:sp>
-        <p:nvSpPr>
-          <p:cNvPr id="8" name="TextBox 7"/>
-          <p:cNvSpPr txBox="1"/>
-          <p:nvPr/>
-        </p:nvSpPr>
-        <p:spPr>
-          <a:xfrm>
-            <a:off x="4644008" y="1451495"/>
-            <a:ext cx="4032448" cy="4708981"/>
-          </a:xfrm>
-          <a:prstGeom prst="rect">
-            <a:avLst/>
-          </a:prstGeom>
-          <a:noFill/>
-        </p:spPr>
-        <p:txBody>
-          <a:bodyPr wrap="square" rtlCol="0">
-            <a:spAutoFit/>
-          </a:bodyPr>
-          <a:lstStyle/>
-          <a:p>
-            <a:r>
-              <a:rPr lang="pt-BR" sz="1000" b="1" dirty="0" smtClean="0">
-                <a:solidFill>
-                  <a:srgbClr val="66CCFF"/>
-                </a:solidFill>
-                <a:latin typeface="Courier New" panose="02070309020205020404" pitchFamily="49" charset="0"/>
-                <a:ea typeface="SimSun" panose="02010600030101010101" pitchFamily="2" charset="-122"/>
-                <a:cs typeface="Courier New" panose="02070309020205020404" pitchFamily="49" charset="0"/>
-              </a:rPr>
-              <a:t>dim3</a:t>
-            </a:r>
-            <a:r>
-              <a:rPr lang="pt-BR" sz="1000" b="1" dirty="0" smtClean="0">
-                <a:solidFill>
-                  <a:srgbClr val="000000"/>
-                </a:solidFill>
-                <a:latin typeface="Courier New" panose="02070309020205020404" pitchFamily="49" charset="0"/>
-                <a:ea typeface="SimSun" panose="02010600030101010101" pitchFamily="2" charset="-122"/>
-                <a:cs typeface="Courier New" panose="02070309020205020404" pitchFamily="49" charset="0"/>
-              </a:rPr>
-              <a:t> </a:t>
-            </a:r>
-            <a:r>
-              <a:rPr lang="pt-BR" sz="1000" b="1" dirty="0">
-                <a:solidFill>
-                  <a:srgbClr val="000000"/>
-                </a:solidFill>
-                <a:latin typeface="Courier New" panose="02070309020205020404" pitchFamily="49" charset="0"/>
-                <a:ea typeface="SimSun" panose="02010600030101010101" pitchFamily="2" charset="-122"/>
-                <a:cs typeface="Courier New" panose="02070309020205020404" pitchFamily="49" charset="0"/>
-              </a:rPr>
-              <a:t>nBlocks, nThreads</a:t>
-            </a:r>
-            <a:r>
-              <a:rPr lang="pt-BR" sz="1000" b="1" dirty="0" smtClean="0">
-                <a:solidFill>
-                  <a:srgbClr val="000000"/>
-                </a:solidFill>
-                <a:latin typeface="Courier New" panose="02070309020205020404" pitchFamily="49" charset="0"/>
-                <a:ea typeface="SimSun" panose="02010600030101010101" pitchFamily="2" charset="-122"/>
-                <a:cs typeface="Courier New" panose="02070309020205020404" pitchFamily="49" charset="0"/>
-              </a:rPr>
-              <a:t>;</a:t>
-            </a:r>
-            <a:endParaRPr lang="pt-BR" sz="1000" b="1" dirty="0" smtClean="0">
-              <a:solidFill>
-                <a:srgbClr val="66CCFF"/>
-              </a:solidFill>
-              <a:latin typeface="Courier New" panose="02070309020205020404" pitchFamily="49" charset="0"/>
-              <a:ea typeface="SimSun" panose="02010600030101010101" pitchFamily="2" charset="-122"/>
-              <a:cs typeface="Courier New" panose="02070309020205020404" pitchFamily="49" charset="0"/>
-            </a:endParaRPr>
-          </a:p>
-          <a:p>
-            <a:r>
-              <a:rPr lang="pt-BR" sz="1000" b="1" dirty="0" smtClean="0">
-                <a:solidFill>
-                  <a:srgbClr val="00B050"/>
-                </a:solidFill>
-                <a:latin typeface="Courier New" panose="02070309020205020404" pitchFamily="49" charset="0"/>
-                <a:ea typeface="SimSun" panose="02010600030101010101" pitchFamily="2" charset="-122"/>
-                <a:cs typeface="Courier New" panose="02070309020205020404" pitchFamily="49" charset="0"/>
-              </a:rPr>
-              <a:t>// N columns, M rows, K matrices</a:t>
-            </a:r>
-          </a:p>
-          <a:p>
-            <a:r>
-              <a:rPr lang="pt-BR" sz="1000" b="1" dirty="0" smtClean="0">
-                <a:solidFill>
-                  <a:srgbClr val="66CCFF"/>
-                </a:solidFill>
-                <a:latin typeface="Courier New" panose="02070309020205020404" pitchFamily="49" charset="0"/>
-                <a:ea typeface="SimSun" panose="02010600030101010101" pitchFamily="2" charset="-122"/>
-                <a:cs typeface="Courier New" panose="02070309020205020404" pitchFamily="49" charset="0"/>
-              </a:rPr>
-              <a:t>int </a:t>
-            </a:r>
-            <a:r>
-              <a:rPr lang="pt-BR" sz="1000" b="1" dirty="0" smtClean="0">
-                <a:solidFill>
-                  <a:srgbClr val="000000"/>
-                </a:solidFill>
-                <a:latin typeface="Courier New" panose="02070309020205020404" pitchFamily="49" charset="0"/>
-                <a:ea typeface="SimSun" panose="02010600030101010101" pitchFamily="2" charset="-122"/>
-                <a:cs typeface="Courier New" panose="02070309020205020404" pitchFamily="49" charset="0"/>
-              </a:rPr>
-              <a:t>N, M, K;</a:t>
-            </a:r>
-            <a:endParaRPr lang="pt-BR" sz="1000" b="1" dirty="0" smtClean="0">
-              <a:solidFill>
-                <a:srgbClr val="66CCFF"/>
-              </a:solidFill>
-              <a:latin typeface="Courier New" panose="02070309020205020404" pitchFamily="49" charset="0"/>
-              <a:ea typeface="SimSun" panose="02010600030101010101" pitchFamily="2" charset="-122"/>
-              <a:cs typeface="Courier New" panose="02070309020205020404" pitchFamily="49" charset="0"/>
-            </a:endParaRPr>
-          </a:p>
-          <a:p>
-            <a:endParaRPr lang="pt-BR" sz="1000" b="1" dirty="0" smtClean="0">
-              <a:solidFill>
-                <a:srgbClr val="66CCFF"/>
-              </a:solidFill>
-              <a:latin typeface="Courier New" panose="02070309020205020404" pitchFamily="49" charset="0"/>
-              <a:ea typeface="SimSun" panose="02010600030101010101" pitchFamily="2" charset="-122"/>
-              <a:cs typeface="Courier New" panose="02070309020205020404" pitchFamily="49" charset="0"/>
-            </a:endParaRPr>
-          </a:p>
-          <a:p>
-            <a:r>
-              <a:rPr lang="pt-BR" sz="1000" b="1" dirty="0" smtClean="0">
-                <a:solidFill>
-                  <a:srgbClr val="00B050"/>
-                </a:solidFill>
-                <a:latin typeface="Courier New" panose="02070309020205020404" pitchFamily="49" charset="0"/>
-                <a:ea typeface="SimSun" panose="02010600030101010101" pitchFamily="2" charset="-122"/>
-                <a:cs typeface="Courier New" panose="02070309020205020404" pitchFamily="49" charset="0"/>
-              </a:rPr>
-              <a:t>// linear indexing = we ignore that it is a tensor</a:t>
-            </a:r>
-          </a:p>
-          <a:p>
-            <a:r>
-              <a:rPr lang="pt-BR" sz="1000" b="1" dirty="0" smtClean="0">
-                <a:solidFill>
-                  <a:srgbClr val="66CCFF"/>
-                </a:solidFill>
-                <a:latin typeface="Courier New" panose="02070309020205020404" pitchFamily="49" charset="0"/>
-                <a:ea typeface="SimSun" panose="02010600030101010101" pitchFamily="2" charset="-122"/>
-                <a:cs typeface="Courier New" panose="02070309020205020404" pitchFamily="49" charset="0"/>
-              </a:rPr>
-              <a:t>int</a:t>
-            </a:r>
-            <a:r>
-              <a:rPr lang="pt-BR" sz="1000" b="1" dirty="0" smtClean="0">
-                <a:solidFill>
-                  <a:srgbClr val="000000"/>
-                </a:solidFill>
-                <a:latin typeface="Courier New" panose="02070309020205020404" pitchFamily="49" charset="0"/>
-                <a:ea typeface="SimSun" panose="02010600030101010101" pitchFamily="2" charset="-122"/>
-                <a:cs typeface="Courier New" panose="02070309020205020404" pitchFamily="49" charset="0"/>
-              </a:rPr>
-              <a:t> index=blockIdx.x*blockDim.x + threadIdx.x;</a:t>
-            </a:r>
-          </a:p>
-          <a:p>
-            <a:endParaRPr lang="pt-BR" sz="1000" b="1" dirty="0" smtClean="0">
-              <a:solidFill>
-                <a:srgbClr val="66CCFF"/>
-              </a:solidFill>
-              <a:latin typeface="Courier New" panose="02070309020205020404" pitchFamily="49" charset="0"/>
-              <a:ea typeface="SimSun" panose="02010600030101010101" pitchFamily="2" charset="-122"/>
-              <a:cs typeface="Courier New" panose="02070309020205020404" pitchFamily="49" charset="0"/>
-            </a:endParaRPr>
-          </a:p>
-          <a:p>
-            <a:r>
-              <a:rPr lang="pt-BR" sz="1000" b="1" dirty="0" smtClean="0">
-                <a:solidFill>
-                  <a:srgbClr val="66CCFF"/>
-                </a:solidFill>
-                <a:latin typeface="Courier New" panose="02070309020205020404" pitchFamily="49" charset="0"/>
-                <a:ea typeface="SimSun" panose="02010600030101010101" pitchFamily="2" charset="-122"/>
-                <a:cs typeface="Courier New" panose="02070309020205020404" pitchFamily="49" charset="0"/>
-              </a:rPr>
-              <a:t>int</a:t>
-            </a:r>
-            <a:r>
-              <a:rPr lang="pt-BR" sz="1000" b="1" dirty="0" smtClean="0">
-                <a:solidFill>
-                  <a:srgbClr val="000000"/>
-                </a:solidFill>
-                <a:latin typeface="Courier New" panose="02070309020205020404" pitchFamily="49" charset="0"/>
-                <a:ea typeface="SimSun" panose="02010600030101010101" pitchFamily="2" charset="-122"/>
-                <a:cs typeface="Courier New" panose="02070309020205020404" pitchFamily="49" charset="0"/>
-              </a:rPr>
-              <a:t> nThreads=4;</a:t>
-            </a:r>
-            <a:endParaRPr lang="pt-BR" sz="1000" b="1" dirty="0">
-              <a:solidFill>
-                <a:srgbClr val="000000"/>
-              </a:solidFill>
-              <a:latin typeface="Courier New" panose="02070309020205020404" pitchFamily="49" charset="0"/>
-              <a:ea typeface="SimSun" panose="02010600030101010101" pitchFamily="2" charset="-122"/>
-              <a:cs typeface="Courier New" panose="02070309020205020404" pitchFamily="49" charset="0"/>
-            </a:endParaRPr>
-          </a:p>
-          <a:p>
-            <a:r>
-              <a:rPr lang="pt-BR" sz="1000" b="1" dirty="0" smtClean="0">
-                <a:solidFill>
-                  <a:srgbClr val="000000"/>
-                </a:solidFill>
-                <a:latin typeface="Courier New" panose="02070309020205020404" pitchFamily="49" charset="0"/>
-                <a:ea typeface="SimSun" panose="02010600030101010101" pitchFamily="2" charset="-122"/>
-                <a:cs typeface="Courier New" panose="02070309020205020404" pitchFamily="49" charset="0"/>
-              </a:rPr>
-              <a:t>matrix_add&lt;&lt;&lt;(N*M*K)/</a:t>
-            </a:r>
-            <a:r>
-              <a:rPr lang="pt-BR" sz="1000" b="1" dirty="0">
-                <a:solidFill>
-                  <a:srgbClr val="000000"/>
-                </a:solidFill>
-                <a:latin typeface="Courier New" panose="02070309020205020404" pitchFamily="49" charset="0"/>
-                <a:ea typeface="SimSun" panose="02010600030101010101" pitchFamily="2" charset="-122"/>
-                <a:cs typeface="Courier New" panose="02070309020205020404" pitchFamily="49" charset="0"/>
-              </a:rPr>
-              <a:t>nThreads</a:t>
-            </a:r>
-            <a:r>
-              <a:rPr lang="pt-BR" sz="1000" b="1" dirty="0" smtClean="0">
-                <a:solidFill>
-                  <a:srgbClr val="000000"/>
-                </a:solidFill>
-                <a:latin typeface="Courier New" panose="02070309020205020404" pitchFamily="49" charset="0"/>
-                <a:ea typeface="SimSun" panose="02010600030101010101" pitchFamily="2" charset="-122"/>
-                <a:cs typeface="Courier New" panose="02070309020205020404" pitchFamily="49" charset="0"/>
-              </a:rPr>
-              <a:t>,</a:t>
-            </a:r>
-            <a:r>
-              <a:rPr lang="pt-BR" sz="1000" b="1" dirty="0">
-                <a:solidFill>
-                  <a:srgbClr val="000000"/>
-                </a:solidFill>
-                <a:latin typeface="Courier New" panose="02070309020205020404" pitchFamily="49" charset="0"/>
-                <a:ea typeface="SimSun" panose="02010600030101010101" pitchFamily="2" charset="-122"/>
-                <a:cs typeface="Courier New" panose="02070309020205020404" pitchFamily="49" charset="0"/>
-              </a:rPr>
-              <a:t> nThreads</a:t>
-            </a:r>
-            <a:r>
-              <a:rPr lang="pt-BR" sz="1000" b="1" dirty="0" smtClean="0">
-                <a:solidFill>
-                  <a:srgbClr val="000000"/>
-                </a:solidFill>
-                <a:latin typeface="Courier New" panose="02070309020205020404" pitchFamily="49" charset="0"/>
-                <a:ea typeface="SimSun" panose="02010600030101010101" pitchFamily="2" charset="-122"/>
-                <a:cs typeface="Courier New" panose="02070309020205020404" pitchFamily="49" charset="0"/>
-              </a:rPr>
-              <a:t>&gt;&gt;&gt;(...)</a:t>
-            </a:r>
-          </a:p>
-          <a:p>
-            <a:endParaRPr lang="pt-BR" sz="1000" b="1" dirty="0">
-              <a:solidFill>
-                <a:srgbClr val="000000"/>
-              </a:solidFill>
-              <a:latin typeface="Courier New" panose="02070309020205020404" pitchFamily="49" charset="0"/>
-              <a:ea typeface="SimSun" panose="02010600030101010101" pitchFamily="2" charset="-122"/>
-              <a:cs typeface="Courier New" panose="02070309020205020404" pitchFamily="49" charset="0"/>
-            </a:endParaRPr>
-          </a:p>
-          <a:p>
-            <a:endParaRPr lang="pt-BR" sz="1000" b="1" dirty="0" smtClean="0">
-              <a:solidFill>
-                <a:srgbClr val="000000"/>
-              </a:solidFill>
-              <a:latin typeface="Courier New" panose="02070309020205020404" pitchFamily="49" charset="0"/>
-              <a:ea typeface="SimSun" panose="02010600030101010101" pitchFamily="2" charset="-122"/>
-              <a:cs typeface="Courier New" panose="02070309020205020404" pitchFamily="49" charset="0"/>
-            </a:endParaRPr>
-          </a:p>
-          <a:p>
-            <a:r>
-              <a:rPr lang="pt-BR" sz="1000" b="1" dirty="0" smtClean="0">
-                <a:solidFill>
-                  <a:srgbClr val="00B050"/>
-                </a:solidFill>
-                <a:latin typeface="Courier New" panose="02070309020205020404" pitchFamily="49" charset="0"/>
-                <a:ea typeface="SimSun" panose="02010600030101010101" pitchFamily="2" charset="-122"/>
-                <a:cs typeface="Courier New" panose="02070309020205020404" pitchFamily="49" charset="0"/>
-              </a:rPr>
-              <a:t>// 3D indexing, we selecting sub-tensors</a:t>
-            </a:r>
-            <a:endParaRPr lang="pt-BR" sz="1000" b="1" dirty="0">
-              <a:solidFill>
-                <a:srgbClr val="00B050"/>
-              </a:solidFill>
-              <a:latin typeface="Courier New" panose="02070309020205020404" pitchFamily="49" charset="0"/>
-              <a:ea typeface="SimSun" panose="02010600030101010101" pitchFamily="2" charset="-122"/>
-              <a:cs typeface="Courier New" panose="02070309020205020404" pitchFamily="49" charset="0"/>
-            </a:endParaRPr>
-          </a:p>
-          <a:p>
-            <a:r>
-              <a:rPr lang="pt-BR" sz="1000" b="1" dirty="0">
-                <a:solidFill>
-                  <a:srgbClr val="66CCFF"/>
-                </a:solidFill>
-                <a:latin typeface="Courier New" panose="02070309020205020404" pitchFamily="49" charset="0"/>
-                <a:ea typeface="SimSun" panose="02010600030101010101" pitchFamily="2" charset="-122"/>
-                <a:cs typeface="Courier New" panose="02070309020205020404" pitchFamily="49" charset="0"/>
-              </a:rPr>
-              <a:t>int</a:t>
-            </a:r>
-            <a:r>
-              <a:rPr lang="pt-BR" sz="1000" b="1" dirty="0">
-                <a:solidFill>
-                  <a:srgbClr val="000000"/>
-                </a:solidFill>
-                <a:latin typeface="Courier New" panose="02070309020205020404" pitchFamily="49" charset="0"/>
-                <a:ea typeface="SimSun" panose="02010600030101010101" pitchFamily="2" charset="-122"/>
-                <a:cs typeface="Courier New" panose="02070309020205020404" pitchFamily="49" charset="0"/>
-              </a:rPr>
-              <a:t> </a:t>
-            </a:r>
-            <a:r>
-              <a:rPr lang="pt-BR" sz="1000" b="1" dirty="0" smtClean="0">
-                <a:solidFill>
-                  <a:srgbClr val="000000"/>
-                </a:solidFill>
-                <a:latin typeface="Courier New" panose="02070309020205020404" pitchFamily="49" charset="0"/>
-                <a:ea typeface="SimSun" panose="02010600030101010101" pitchFamily="2" charset="-122"/>
-                <a:cs typeface="Courier New" panose="02070309020205020404" pitchFamily="49" charset="0"/>
-              </a:rPr>
-              <a:t>index_x = blockIdx.x*blockDim.x </a:t>
-            </a:r>
-            <a:r>
-              <a:rPr lang="pt-BR" sz="1000" b="1" dirty="0">
-                <a:solidFill>
-                  <a:srgbClr val="000000"/>
-                </a:solidFill>
-                <a:latin typeface="Courier New" panose="02070309020205020404" pitchFamily="49" charset="0"/>
-                <a:ea typeface="SimSun" panose="02010600030101010101" pitchFamily="2" charset="-122"/>
-                <a:cs typeface="Courier New" panose="02070309020205020404" pitchFamily="49" charset="0"/>
-              </a:rPr>
-              <a:t>+ threadIdx.x</a:t>
-            </a:r>
-            <a:r>
-              <a:rPr lang="pt-BR" sz="1000" b="1" dirty="0" smtClean="0">
-                <a:solidFill>
-                  <a:srgbClr val="000000"/>
-                </a:solidFill>
-                <a:latin typeface="Courier New" panose="02070309020205020404" pitchFamily="49" charset="0"/>
-                <a:ea typeface="SimSun" panose="02010600030101010101" pitchFamily="2" charset="-122"/>
-                <a:cs typeface="Courier New" panose="02070309020205020404" pitchFamily="49" charset="0"/>
-              </a:rPr>
-              <a:t>;</a:t>
-            </a:r>
-          </a:p>
-          <a:p>
-            <a:r>
-              <a:rPr lang="pt-BR" sz="1000" b="1" dirty="0">
-                <a:solidFill>
-                  <a:srgbClr val="66CCFF"/>
-                </a:solidFill>
-                <a:latin typeface="Courier New" panose="02070309020205020404" pitchFamily="49" charset="0"/>
-                <a:ea typeface="SimSun" panose="02010600030101010101" pitchFamily="2" charset="-122"/>
-                <a:cs typeface="Courier New" panose="02070309020205020404" pitchFamily="49" charset="0"/>
-              </a:rPr>
-              <a:t>int</a:t>
-            </a:r>
-            <a:r>
-              <a:rPr lang="pt-BR" sz="1000" b="1" dirty="0">
-                <a:solidFill>
-                  <a:srgbClr val="000000"/>
-                </a:solidFill>
-                <a:latin typeface="Courier New" panose="02070309020205020404" pitchFamily="49" charset="0"/>
-                <a:ea typeface="SimSun" panose="02010600030101010101" pitchFamily="2" charset="-122"/>
-                <a:cs typeface="Courier New" panose="02070309020205020404" pitchFamily="49" charset="0"/>
-              </a:rPr>
-              <a:t> </a:t>
-            </a:r>
-            <a:r>
-              <a:rPr lang="pt-BR" sz="1000" b="1" dirty="0" smtClean="0">
-                <a:solidFill>
-                  <a:srgbClr val="000000"/>
-                </a:solidFill>
-                <a:latin typeface="Courier New" panose="02070309020205020404" pitchFamily="49" charset="0"/>
-                <a:ea typeface="SimSun" panose="02010600030101010101" pitchFamily="2" charset="-122"/>
-                <a:cs typeface="Courier New" panose="02070309020205020404" pitchFamily="49" charset="0"/>
-              </a:rPr>
-              <a:t>index_y </a:t>
-            </a:r>
-            <a:r>
-              <a:rPr lang="pt-BR" sz="1000" b="1" dirty="0">
-                <a:solidFill>
-                  <a:srgbClr val="000000"/>
-                </a:solidFill>
-                <a:latin typeface="Courier New" panose="02070309020205020404" pitchFamily="49" charset="0"/>
-                <a:ea typeface="SimSun" panose="02010600030101010101" pitchFamily="2" charset="-122"/>
-                <a:cs typeface="Courier New" panose="02070309020205020404" pitchFamily="49" charset="0"/>
-              </a:rPr>
-              <a:t>= </a:t>
-            </a:r>
-            <a:r>
-              <a:rPr lang="pt-BR" sz="1000" b="1" dirty="0" smtClean="0">
-                <a:solidFill>
-                  <a:srgbClr val="000000"/>
-                </a:solidFill>
-                <a:latin typeface="Courier New" panose="02070309020205020404" pitchFamily="49" charset="0"/>
-                <a:ea typeface="SimSun" panose="02010600030101010101" pitchFamily="2" charset="-122"/>
-                <a:cs typeface="Courier New" panose="02070309020205020404" pitchFamily="49" charset="0"/>
-              </a:rPr>
-              <a:t>blockIdx.y*blockDim.y </a:t>
-            </a:r>
-            <a:r>
-              <a:rPr lang="pt-BR" sz="1000" b="1" dirty="0">
-                <a:solidFill>
-                  <a:srgbClr val="000000"/>
-                </a:solidFill>
-                <a:latin typeface="Courier New" panose="02070309020205020404" pitchFamily="49" charset="0"/>
-                <a:ea typeface="SimSun" panose="02010600030101010101" pitchFamily="2" charset="-122"/>
-                <a:cs typeface="Courier New" panose="02070309020205020404" pitchFamily="49" charset="0"/>
-              </a:rPr>
-              <a:t>+ </a:t>
-            </a:r>
-            <a:r>
-              <a:rPr lang="pt-BR" sz="1000" b="1" dirty="0" smtClean="0">
-                <a:solidFill>
-                  <a:srgbClr val="000000"/>
-                </a:solidFill>
-                <a:latin typeface="Courier New" panose="02070309020205020404" pitchFamily="49" charset="0"/>
-                <a:ea typeface="SimSun" panose="02010600030101010101" pitchFamily="2" charset="-122"/>
-                <a:cs typeface="Courier New" panose="02070309020205020404" pitchFamily="49" charset="0"/>
-              </a:rPr>
-              <a:t>threadIdx.y;</a:t>
-            </a:r>
-          </a:p>
-          <a:p>
-            <a:r>
-              <a:rPr lang="pt-BR" sz="1000" b="1" dirty="0">
-                <a:solidFill>
-                  <a:srgbClr val="66CCFF"/>
-                </a:solidFill>
-                <a:latin typeface="Courier New" panose="02070309020205020404" pitchFamily="49" charset="0"/>
-                <a:ea typeface="SimSun" panose="02010600030101010101" pitchFamily="2" charset="-122"/>
-                <a:cs typeface="Courier New" panose="02070309020205020404" pitchFamily="49" charset="0"/>
-              </a:rPr>
-              <a:t>int</a:t>
-            </a:r>
-            <a:r>
-              <a:rPr lang="pt-BR" sz="1000" b="1" dirty="0">
-                <a:solidFill>
-                  <a:srgbClr val="000000"/>
-                </a:solidFill>
-                <a:latin typeface="Courier New" panose="02070309020205020404" pitchFamily="49" charset="0"/>
-                <a:ea typeface="SimSun" panose="02010600030101010101" pitchFamily="2" charset="-122"/>
-                <a:cs typeface="Courier New" panose="02070309020205020404" pitchFamily="49" charset="0"/>
-              </a:rPr>
-              <a:t> </a:t>
-            </a:r>
-            <a:r>
-              <a:rPr lang="pt-BR" sz="1000" b="1" dirty="0" smtClean="0">
-                <a:solidFill>
-                  <a:srgbClr val="000000"/>
-                </a:solidFill>
-                <a:latin typeface="Courier New" panose="02070309020205020404" pitchFamily="49" charset="0"/>
-                <a:ea typeface="SimSun" panose="02010600030101010101" pitchFamily="2" charset="-122"/>
-                <a:cs typeface="Courier New" panose="02070309020205020404" pitchFamily="49" charset="0"/>
-              </a:rPr>
-              <a:t>index_z </a:t>
-            </a:r>
-            <a:r>
-              <a:rPr lang="pt-BR" sz="1000" b="1" dirty="0">
-                <a:solidFill>
-                  <a:srgbClr val="000000"/>
-                </a:solidFill>
-                <a:latin typeface="Courier New" panose="02070309020205020404" pitchFamily="49" charset="0"/>
-                <a:ea typeface="SimSun" panose="02010600030101010101" pitchFamily="2" charset="-122"/>
-                <a:cs typeface="Courier New" panose="02070309020205020404" pitchFamily="49" charset="0"/>
-              </a:rPr>
-              <a:t>= </a:t>
-            </a:r>
-            <a:r>
-              <a:rPr lang="pt-BR" sz="1000" b="1" dirty="0" smtClean="0">
-                <a:solidFill>
-                  <a:srgbClr val="000000"/>
-                </a:solidFill>
-                <a:latin typeface="Courier New" panose="02070309020205020404" pitchFamily="49" charset="0"/>
-                <a:ea typeface="SimSun" panose="02010600030101010101" pitchFamily="2" charset="-122"/>
-                <a:cs typeface="Courier New" panose="02070309020205020404" pitchFamily="49" charset="0"/>
-              </a:rPr>
-              <a:t>blockIdx.z*blockDim.z </a:t>
-            </a:r>
-            <a:r>
-              <a:rPr lang="pt-BR" sz="1000" b="1" dirty="0">
-                <a:solidFill>
-                  <a:srgbClr val="000000"/>
-                </a:solidFill>
-                <a:latin typeface="Courier New" panose="02070309020205020404" pitchFamily="49" charset="0"/>
-                <a:ea typeface="SimSun" panose="02010600030101010101" pitchFamily="2" charset="-122"/>
-                <a:cs typeface="Courier New" panose="02070309020205020404" pitchFamily="49" charset="0"/>
-              </a:rPr>
-              <a:t>+ </a:t>
-            </a:r>
-            <a:r>
-              <a:rPr lang="pt-BR" sz="1000" b="1" dirty="0" smtClean="0">
-                <a:solidFill>
-                  <a:srgbClr val="000000"/>
-                </a:solidFill>
-                <a:latin typeface="Courier New" panose="02070309020205020404" pitchFamily="49" charset="0"/>
-                <a:ea typeface="SimSun" panose="02010600030101010101" pitchFamily="2" charset="-122"/>
-                <a:cs typeface="Courier New" panose="02070309020205020404" pitchFamily="49" charset="0"/>
-              </a:rPr>
-              <a:t>threadIdx.z;</a:t>
-            </a:r>
-            <a:endParaRPr lang="pt-BR" sz="1000" b="1" dirty="0">
-              <a:solidFill>
-                <a:srgbClr val="000000"/>
-              </a:solidFill>
-              <a:latin typeface="Courier New" panose="02070309020205020404" pitchFamily="49" charset="0"/>
-              <a:ea typeface="SimSun" panose="02010600030101010101" pitchFamily="2" charset="-122"/>
-              <a:cs typeface="Courier New" panose="02070309020205020404" pitchFamily="49" charset="0"/>
-            </a:endParaRPr>
-          </a:p>
-          <a:p>
-            <a:r>
-              <a:rPr lang="pt-BR" sz="1000" b="1" dirty="0">
-                <a:solidFill>
-                  <a:srgbClr val="66CCFF"/>
-                </a:solidFill>
-                <a:latin typeface="Courier New" panose="02070309020205020404" pitchFamily="49" charset="0"/>
-                <a:ea typeface="SimSun" panose="02010600030101010101" pitchFamily="2" charset="-122"/>
-                <a:cs typeface="Courier New" panose="02070309020205020404" pitchFamily="49" charset="0"/>
-              </a:rPr>
-              <a:t>int</a:t>
-            </a:r>
-            <a:r>
-              <a:rPr lang="pt-BR" sz="1000" b="1" dirty="0">
-                <a:solidFill>
-                  <a:srgbClr val="000000"/>
-                </a:solidFill>
-                <a:latin typeface="Courier New" panose="02070309020205020404" pitchFamily="49" charset="0"/>
-                <a:ea typeface="SimSun" panose="02010600030101010101" pitchFamily="2" charset="-122"/>
-                <a:cs typeface="Courier New" panose="02070309020205020404" pitchFamily="49" charset="0"/>
-              </a:rPr>
-              <a:t> </a:t>
-            </a:r>
-            <a:r>
-              <a:rPr lang="pt-BR" sz="1000" b="1" dirty="0" smtClean="0">
-                <a:solidFill>
-                  <a:srgbClr val="000000"/>
-                </a:solidFill>
-                <a:latin typeface="Courier New" panose="02070309020205020404" pitchFamily="49" charset="0"/>
-                <a:ea typeface="SimSun" panose="02010600030101010101" pitchFamily="2" charset="-122"/>
-                <a:cs typeface="Courier New" panose="02070309020205020404" pitchFamily="49" charset="0"/>
-              </a:rPr>
-              <a:t>index   = index_z*N*M + index_y*N </a:t>
-            </a:r>
-            <a:r>
-              <a:rPr lang="pt-BR" sz="1000" b="1" dirty="0">
-                <a:solidFill>
-                  <a:srgbClr val="000000"/>
-                </a:solidFill>
-                <a:latin typeface="Courier New" panose="02070309020205020404" pitchFamily="49" charset="0"/>
-                <a:ea typeface="SimSun" panose="02010600030101010101" pitchFamily="2" charset="-122"/>
-                <a:cs typeface="Courier New" panose="02070309020205020404" pitchFamily="49" charset="0"/>
-              </a:rPr>
-              <a:t>+ </a:t>
-            </a:r>
-            <a:r>
-              <a:rPr lang="pt-BR" sz="1000" b="1" dirty="0" smtClean="0">
-                <a:solidFill>
-                  <a:srgbClr val="000000"/>
-                </a:solidFill>
-                <a:latin typeface="Courier New" panose="02070309020205020404" pitchFamily="49" charset="0"/>
-                <a:ea typeface="SimSun" panose="02010600030101010101" pitchFamily="2" charset="-122"/>
-                <a:cs typeface="Courier New" panose="02070309020205020404" pitchFamily="49" charset="0"/>
-              </a:rPr>
-              <a:t>index_x;</a:t>
-            </a:r>
-            <a:endParaRPr lang="pt-BR" sz="1000" b="1" dirty="0">
-              <a:solidFill>
-                <a:srgbClr val="000000"/>
-              </a:solidFill>
-              <a:latin typeface="Courier New" panose="02070309020205020404" pitchFamily="49" charset="0"/>
-              <a:ea typeface="SimSun" panose="02010600030101010101" pitchFamily="2" charset="-122"/>
-              <a:cs typeface="Courier New" panose="02070309020205020404" pitchFamily="49" charset="0"/>
-            </a:endParaRPr>
-          </a:p>
-          <a:p>
-            <a:endParaRPr lang="pt-BR" sz="1000" b="1" dirty="0" smtClean="0">
-              <a:solidFill>
-                <a:srgbClr val="000000"/>
-              </a:solidFill>
-              <a:latin typeface="Courier New" panose="02070309020205020404" pitchFamily="49" charset="0"/>
-              <a:ea typeface="SimSun" panose="02010600030101010101" pitchFamily="2" charset="-122"/>
-              <a:cs typeface="Courier New" panose="02070309020205020404" pitchFamily="49" charset="0"/>
-            </a:endParaRPr>
-          </a:p>
-          <a:p>
-            <a:r>
-              <a:rPr lang="pt-BR" sz="1000" b="1" dirty="0">
-                <a:solidFill>
-                  <a:srgbClr val="66CCFF"/>
-                </a:solidFill>
-                <a:latin typeface="Courier New" panose="02070309020205020404" pitchFamily="49" charset="0"/>
-                <a:ea typeface="SimSun" panose="02010600030101010101" pitchFamily="2" charset="-122"/>
-                <a:cs typeface="Courier New" panose="02070309020205020404" pitchFamily="49" charset="0"/>
-              </a:rPr>
-              <a:t>dim3</a:t>
-            </a:r>
-            <a:r>
-              <a:rPr lang="pt-BR" sz="1000" b="1" dirty="0">
-                <a:solidFill>
-                  <a:srgbClr val="000000"/>
-                </a:solidFill>
-                <a:latin typeface="Courier New" panose="02070309020205020404" pitchFamily="49" charset="0"/>
-                <a:ea typeface="SimSun" panose="02010600030101010101" pitchFamily="2" charset="-122"/>
-                <a:cs typeface="Courier New" panose="02070309020205020404" pitchFamily="49" charset="0"/>
-              </a:rPr>
-              <a:t> </a:t>
-            </a:r>
-            <a:r>
-              <a:rPr lang="pt-BR" sz="1000" b="1" dirty="0" smtClean="0">
-                <a:solidFill>
-                  <a:srgbClr val="000000"/>
-                </a:solidFill>
-                <a:latin typeface="Courier New" panose="02070309020205020404" pitchFamily="49" charset="0"/>
-                <a:ea typeface="SimSun" panose="02010600030101010101" pitchFamily="2" charset="-122"/>
-                <a:cs typeface="Courier New" panose="02070309020205020404" pitchFamily="49" charset="0"/>
-              </a:rPr>
-              <a:t>nThreads(2,2,2);</a:t>
-            </a:r>
-          </a:p>
-          <a:p>
-            <a:r>
-              <a:rPr lang="pt-BR" sz="1000" b="1" dirty="0">
-                <a:solidFill>
-                  <a:srgbClr val="66CCFF"/>
-                </a:solidFill>
-                <a:latin typeface="Courier New" panose="02070309020205020404" pitchFamily="49" charset="0"/>
-                <a:ea typeface="SimSun" panose="02010600030101010101" pitchFamily="2" charset="-122"/>
-                <a:cs typeface="Courier New" panose="02070309020205020404" pitchFamily="49" charset="0"/>
-              </a:rPr>
-              <a:t>dim3</a:t>
-            </a:r>
-            <a:r>
-              <a:rPr lang="pt-BR" sz="1000" b="1" dirty="0">
-                <a:solidFill>
-                  <a:srgbClr val="000000"/>
-                </a:solidFill>
-                <a:latin typeface="Courier New" panose="02070309020205020404" pitchFamily="49" charset="0"/>
-                <a:ea typeface="SimSun" panose="02010600030101010101" pitchFamily="2" charset="-122"/>
-                <a:cs typeface="Courier New" panose="02070309020205020404" pitchFamily="49" charset="0"/>
-              </a:rPr>
-              <a:t> </a:t>
-            </a:r>
-            <a:r>
-              <a:rPr lang="pt-BR" sz="1000" b="1" dirty="0" smtClean="0">
-                <a:solidFill>
-                  <a:srgbClr val="000000"/>
-                </a:solidFill>
-                <a:latin typeface="Courier New" panose="02070309020205020404" pitchFamily="49" charset="0"/>
-                <a:ea typeface="SimSun" panose="02010600030101010101" pitchFamily="2" charset="-122"/>
-                <a:cs typeface="Courier New" panose="02070309020205020404" pitchFamily="49" charset="0"/>
-              </a:rPr>
-              <a:t>nBlocks;</a:t>
-            </a:r>
-            <a:endParaRPr lang="pt-BR" sz="1000" b="1" dirty="0">
-              <a:solidFill>
-                <a:srgbClr val="66CCFF"/>
-              </a:solidFill>
-              <a:latin typeface="Courier New" panose="02070309020205020404" pitchFamily="49" charset="0"/>
-              <a:ea typeface="SimSun" panose="02010600030101010101" pitchFamily="2" charset="-122"/>
-              <a:cs typeface="Courier New" panose="02070309020205020404" pitchFamily="49" charset="0"/>
-            </a:endParaRPr>
-          </a:p>
-          <a:p>
-            <a:r>
-              <a:rPr lang="pt-BR" sz="1000" b="1" dirty="0" smtClean="0">
-                <a:solidFill>
-                  <a:srgbClr val="000000"/>
-                </a:solidFill>
-                <a:latin typeface="Courier New" panose="02070309020205020404" pitchFamily="49" charset="0"/>
-                <a:ea typeface="SimSun" panose="02010600030101010101" pitchFamily="2" charset="-122"/>
-                <a:cs typeface="Courier New" panose="02070309020205020404" pitchFamily="49" charset="0"/>
-              </a:rPr>
-              <a:t>nBlocks.x = N/nThreads.x;</a:t>
-            </a:r>
-          </a:p>
-          <a:p>
-            <a:r>
-              <a:rPr lang="pt-BR" sz="1000" b="1" dirty="0" smtClean="0">
-                <a:solidFill>
-                  <a:srgbClr val="000000"/>
-                </a:solidFill>
-                <a:latin typeface="Courier New" panose="02070309020205020404" pitchFamily="49" charset="0"/>
-                <a:ea typeface="SimSun" panose="02010600030101010101" pitchFamily="2" charset="-122"/>
-                <a:cs typeface="Courier New" panose="02070309020205020404" pitchFamily="49" charset="0"/>
-              </a:rPr>
-              <a:t>nBlocks.y = M/nThreads.y;</a:t>
-            </a:r>
-          </a:p>
-          <a:p>
-            <a:r>
-              <a:rPr lang="pt-BR" sz="1000" b="1" dirty="0" smtClean="0">
-                <a:solidFill>
-                  <a:srgbClr val="000000"/>
-                </a:solidFill>
-                <a:latin typeface="Courier New" panose="02070309020205020404" pitchFamily="49" charset="0"/>
-                <a:ea typeface="SimSun" panose="02010600030101010101" pitchFamily="2" charset="-122"/>
-                <a:cs typeface="Courier New" panose="02070309020205020404" pitchFamily="49" charset="0"/>
-              </a:rPr>
-              <a:t>nBlocks.z = K/nThreads.z;</a:t>
-            </a:r>
-          </a:p>
-          <a:p>
-            <a:r>
-              <a:rPr lang="pt-BR" sz="1000" b="1" dirty="0">
-                <a:solidFill>
-                  <a:srgbClr val="000000"/>
-                </a:solidFill>
-                <a:latin typeface="Courier New" panose="02070309020205020404" pitchFamily="49" charset="0"/>
-                <a:ea typeface="SimSun" panose="02010600030101010101" pitchFamily="2" charset="-122"/>
-                <a:cs typeface="Courier New" panose="02070309020205020404" pitchFamily="49" charset="0"/>
-              </a:rPr>
-              <a:t>matrix_add</a:t>
-            </a:r>
-            <a:r>
-              <a:rPr lang="pt-BR" sz="1000" b="1" dirty="0" smtClean="0">
-                <a:solidFill>
-                  <a:srgbClr val="000000"/>
-                </a:solidFill>
-                <a:latin typeface="Courier New" panose="02070309020205020404" pitchFamily="49" charset="0"/>
-                <a:ea typeface="SimSun" panose="02010600030101010101" pitchFamily="2" charset="-122"/>
-                <a:cs typeface="Courier New" panose="02070309020205020404" pitchFamily="49" charset="0"/>
-              </a:rPr>
-              <a:t>&lt;&lt;&lt; nBlocks, </a:t>
-            </a:r>
-            <a:r>
-              <a:rPr lang="pt-BR" sz="1000" b="1" dirty="0">
-                <a:solidFill>
-                  <a:srgbClr val="000000"/>
-                </a:solidFill>
-                <a:latin typeface="Courier New" panose="02070309020205020404" pitchFamily="49" charset="0"/>
-                <a:ea typeface="SimSun" panose="02010600030101010101" pitchFamily="2" charset="-122"/>
-                <a:cs typeface="Courier New" panose="02070309020205020404" pitchFamily="49" charset="0"/>
-              </a:rPr>
-              <a:t>nThreads&gt;&gt;&gt;(...)</a:t>
-            </a:r>
-          </a:p>
-          <a:p>
-            <a:endParaRPr lang="pt-BR" sz="1000" b="1" dirty="0" smtClean="0">
-              <a:solidFill>
-                <a:srgbClr val="000000"/>
-              </a:solidFill>
-              <a:latin typeface="Courier New" panose="02070309020205020404" pitchFamily="49" charset="0"/>
-              <a:ea typeface="SimSun" panose="02010600030101010101" pitchFamily="2" charset="-122"/>
-              <a:cs typeface="Courier New" panose="02070309020205020404" pitchFamily="49" charset="0"/>
-            </a:endParaRPr>
-          </a:p>
-          <a:p>
-            <a:endParaRPr lang="pt-BR" sz="1000" b="1" dirty="0">
-              <a:solidFill>
-                <a:srgbClr val="000000"/>
-              </a:solidFill>
-              <a:latin typeface="Courier New" panose="02070309020205020404" pitchFamily="49" charset="0"/>
-              <a:ea typeface="SimSun" panose="02010600030101010101" pitchFamily="2" charset="-122"/>
-              <a:cs typeface="Courier New" panose="02070309020205020404" pitchFamily="49" charset="0"/>
-            </a:endParaRPr>
-          </a:p>
-          <a:p>
-            <a:endParaRPr lang="pt-BR" sz="1000" b="1" dirty="0">
-              <a:solidFill>
-                <a:srgbClr val="000000"/>
-              </a:solidFill>
-              <a:latin typeface="Courier New" panose="02070309020205020404" pitchFamily="49" charset="0"/>
-              <a:ea typeface="SimSun" panose="02010600030101010101" pitchFamily="2" charset="-122"/>
-              <a:cs typeface="Courier New" panose="02070309020205020404" pitchFamily="49" charset="0"/>
-            </a:endParaRPr>
-          </a:p>
-          <a:p>
-            <a:r>
-              <a:rPr lang="pt-BR" sz="1000" b="1" dirty="0" smtClean="0">
-                <a:solidFill>
-                  <a:srgbClr val="00B050"/>
-                </a:solidFill>
-                <a:latin typeface="Courier New" panose="02070309020205020404" pitchFamily="49" charset="0"/>
-                <a:ea typeface="SimSun" panose="02010600030101010101" pitchFamily="2" charset="-122"/>
-                <a:cs typeface="Courier New" panose="02070309020205020404" pitchFamily="49" charset="0"/>
-              </a:rPr>
-              <a:t>// getting coordinates x,y,z from linear index</a:t>
-            </a:r>
-            <a:endParaRPr lang="pt-BR" sz="1000" b="1" dirty="0">
-              <a:solidFill>
-                <a:srgbClr val="00B050"/>
-              </a:solidFill>
-              <a:latin typeface="Courier New" panose="02070309020205020404" pitchFamily="49" charset="0"/>
-              <a:ea typeface="SimSun" panose="02010600030101010101" pitchFamily="2" charset="-122"/>
-              <a:cs typeface="Courier New" panose="02070309020205020404" pitchFamily="49" charset="0"/>
-            </a:endParaRPr>
-          </a:p>
-          <a:p>
-            <a:r>
-              <a:rPr lang="pt-BR" sz="1000" b="1" dirty="0">
-                <a:solidFill>
-                  <a:srgbClr val="66CCFF"/>
-                </a:solidFill>
-                <a:latin typeface="Courier New" panose="02070309020205020404" pitchFamily="49" charset="0"/>
-                <a:ea typeface="SimSun" panose="02010600030101010101" pitchFamily="2" charset="-122"/>
-                <a:cs typeface="Courier New" panose="02070309020205020404" pitchFamily="49" charset="0"/>
-              </a:rPr>
-              <a:t>int</a:t>
-            </a:r>
-            <a:r>
-              <a:rPr lang="pt-BR" sz="1000" b="1" dirty="0">
-                <a:solidFill>
-                  <a:srgbClr val="000000"/>
-                </a:solidFill>
-                <a:latin typeface="Courier New" panose="02070309020205020404" pitchFamily="49" charset="0"/>
-                <a:ea typeface="SimSun" panose="02010600030101010101" pitchFamily="2" charset="-122"/>
-                <a:cs typeface="Courier New" panose="02070309020205020404" pitchFamily="49" charset="0"/>
-              </a:rPr>
-              <a:t> </a:t>
-            </a:r>
-            <a:r>
-              <a:rPr lang="pt-BR" sz="1000" b="1" dirty="0" smtClean="0">
-                <a:solidFill>
-                  <a:srgbClr val="000000"/>
-                </a:solidFill>
-                <a:latin typeface="Courier New" panose="02070309020205020404" pitchFamily="49" charset="0"/>
-                <a:ea typeface="SimSun" panose="02010600030101010101" pitchFamily="2" charset="-122"/>
-                <a:cs typeface="Courier New" panose="02070309020205020404" pitchFamily="49" charset="0"/>
-              </a:rPr>
-              <a:t>z </a:t>
-            </a:r>
-            <a:r>
-              <a:rPr lang="pt-BR" sz="1000" b="1" dirty="0">
-                <a:solidFill>
-                  <a:srgbClr val="000000"/>
-                </a:solidFill>
-                <a:latin typeface="Courier New" panose="02070309020205020404" pitchFamily="49" charset="0"/>
-                <a:ea typeface="SimSun" panose="02010600030101010101" pitchFamily="2" charset="-122"/>
-                <a:cs typeface="Courier New" panose="02070309020205020404" pitchFamily="49" charset="0"/>
-              </a:rPr>
-              <a:t>= </a:t>
-            </a:r>
-            <a:r>
-              <a:rPr lang="pt-BR" sz="1000" b="1" dirty="0" smtClean="0">
-                <a:solidFill>
-                  <a:srgbClr val="000000"/>
-                </a:solidFill>
-                <a:latin typeface="Courier New" panose="02070309020205020404" pitchFamily="49" charset="0"/>
-                <a:ea typeface="SimSun" panose="02010600030101010101" pitchFamily="2" charset="-122"/>
-                <a:cs typeface="Courier New" panose="02070309020205020404" pitchFamily="49" charset="0"/>
-              </a:rPr>
-              <a:t>index%(N*M);</a:t>
-            </a:r>
-            <a:endParaRPr lang="pt-BR" sz="1000" b="1" dirty="0">
-              <a:solidFill>
-                <a:srgbClr val="000000"/>
-              </a:solidFill>
-              <a:latin typeface="Courier New" panose="02070309020205020404" pitchFamily="49" charset="0"/>
-              <a:ea typeface="SimSun" panose="02010600030101010101" pitchFamily="2" charset="-122"/>
-              <a:cs typeface="Courier New" panose="02070309020205020404" pitchFamily="49" charset="0"/>
-            </a:endParaRPr>
-          </a:p>
-          <a:p>
-            <a:r>
-              <a:rPr lang="pt-BR" sz="1000" b="1" dirty="0">
-                <a:solidFill>
-                  <a:srgbClr val="66CCFF"/>
-                </a:solidFill>
-                <a:latin typeface="Courier New" panose="02070309020205020404" pitchFamily="49" charset="0"/>
-                <a:ea typeface="SimSun" panose="02010600030101010101" pitchFamily="2" charset="-122"/>
-                <a:cs typeface="Courier New" panose="02070309020205020404" pitchFamily="49" charset="0"/>
-              </a:rPr>
-              <a:t>int</a:t>
-            </a:r>
-            <a:r>
-              <a:rPr lang="pt-BR" sz="1000" b="1" dirty="0">
-                <a:solidFill>
-                  <a:srgbClr val="000000"/>
-                </a:solidFill>
-                <a:latin typeface="Courier New" panose="02070309020205020404" pitchFamily="49" charset="0"/>
-                <a:ea typeface="SimSun" panose="02010600030101010101" pitchFamily="2" charset="-122"/>
-                <a:cs typeface="Courier New" panose="02070309020205020404" pitchFamily="49" charset="0"/>
-              </a:rPr>
-              <a:t> </a:t>
-            </a:r>
-            <a:r>
-              <a:rPr lang="pt-BR" sz="1000" b="1" dirty="0" smtClean="0">
-                <a:solidFill>
-                  <a:srgbClr val="000000"/>
-                </a:solidFill>
-                <a:latin typeface="Courier New" panose="02070309020205020404" pitchFamily="49" charset="0"/>
-                <a:ea typeface="SimSun" panose="02010600030101010101" pitchFamily="2" charset="-122"/>
-                <a:cs typeface="Courier New" panose="02070309020205020404" pitchFamily="49" charset="0"/>
-              </a:rPr>
-              <a:t>y = (index – z*N*M)%N;</a:t>
-            </a:r>
-            <a:endParaRPr lang="pt-BR" sz="1000" b="1" dirty="0">
-              <a:solidFill>
-                <a:srgbClr val="000000"/>
-              </a:solidFill>
-              <a:latin typeface="Courier New" panose="02070309020205020404" pitchFamily="49" charset="0"/>
-              <a:ea typeface="SimSun" panose="02010600030101010101" pitchFamily="2" charset="-122"/>
-              <a:cs typeface="Courier New" panose="02070309020205020404" pitchFamily="49" charset="0"/>
-            </a:endParaRPr>
-          </a:p>
-          <a:p>
-            <a:r>
-              <a:rPr lang="pt-BR" sz="1000" b="1" dirty="0">
-                <a:solidFill>
-                  <a:srgbClr val="66CCFF"/>
-                </a:solidFill>
-                <a:latin typeface="Courier New" panose="02070309020205020404" pitchFamily="49" charset="0"/>
-                <a:ea typeface="SimSun" panose="02010600030101010101" pitchFamily="2" charset="-122"/>
-                <a:cs typeface="Courier New" panose="02070309020205020404" pitchFamily="49" charset="0"/>
-              </a:rPr>
-              <a:t>int</a:t>
-            </a:r>
-            <a:r>
-              <a:rPr lang="pt-BR" sz="1000" b="1" dirty="0">
-                <a:solidFill>
-                  <a:srgbClr val="000000"/>
-                </a:solidFill>
-                <a:latin typeface="Courier New" panose="02070309020205020404" pitchFamily="49" charset="0"/>
-                <a:ea typeface="SimSun" panose="02010600030101010101" pitchFamily="2" charset="-122"/>
-                <a:cs typeface="Courier New" panose="02070309020205020404" pitchFamily="49" charset="0"/>
-              </a:rPr>
-              <a:t> </a:t>
-            </a:r>
-            <a:r>
-              <a:rPr lang="pt-BR" sz="1000" b="1" dirty="0" smtClean="0">
-                <a:solidFill>
-                  <a:srgbClr val="000000"/>
-                </a:solidFill>
-                <a:latin typeface="Courier New" panose="02070309020205020404" pitchFamily="49" charset="0"/>
-                <a:ea typeface="SimSun" panose="02010600030101010101" pitchFamily="2" charset="-122"/>
-                <a:cs typeface="Courier New" panose="02070309020205020404" pitchFamily="49" charset="0"/>
-              </a:rPr>
-              <a:t>x </a:t>
-            </a:r>
-            <a:r>
-              <a:rPr lang="pt-BR" sz="1000" b="1" dirty="0">
-                <a:solidFill>
-                  <a:srgbClr val="000000"/>
-                </a:solidFill>
-                <a:latin typeface="Courier New" panose="02070309020205020404" pitchFamily="49" charset="0"/>
-                <a:ea typeface="SimSun" panose="02010600030101010101" pitchFamily="2" charset="-122"/>
-                <a:cs typeface="Courier New" panose="02070309020205020404" pitchFamily="49" charset="0"/>
-              </a:rPr>
-              <a:t>= </a:t>
-            </a:r>
-            <a:r>
-              <a:rPr lang="pt-BR" sz="1000" b="1" dirty="0" smtClean="0">
-                <a:solidFill>
-                  <a:srgbClr val="000000"/>
-                </a:solidFill>
-                <a:latin typeface="Courier New" panose="02070309020205020404" pitchFamily="49" charset="0"/>
-                <a:ea typeface="SimSun" panose="02010600030101010101" pitchFamily="2" charset="-122"/>
-                <a:cs typeface="Courier New" panose="02070309020205020404" pitchFamily="49" charset="0"/>
-              </a:rPr>
-              <a:t>index – z*N*M – y*N;</a:t>
-            </a:r>
-            <a:endParaRPr lang="pt-BR" sz="1000" b="1" dirty="0">
-              <a:solidFill>
-                <a:srgbClr val="000000"/>
-              </a:solidFill>
-              <a:latin typeface="Courier New" panose="02070309020205020404" pitchFamily="49" charset="0"/>
-              <a:ea typeface="SimSun" panose="02010600030101010101" pitchFamily="2" charset="-122"/>
-              <a:cs typeface="Courier New" panose="02070309020205020404" pitchFamily="49" charset="0"/>
-            </a:endParaRPr>
-          </a:p>
-        </p:txBody>
-      </p:sp>
-      <p:sp>
-        <p:nvSpPr>
-          <p:cNvPr id="9" name="TextBox 8"/>
-          <p:cNvSpPr txBox="1"/>
-          <p:nvPr/>
-        </p:nvSpPr>
-        <p:spPr>
-          <a:xfrm>
-            <a:off x="395536" y="5236630"/>
-            <a:ext cx="3780210" cy="1169551"/>
-          </a:xfrm>
-          <a:prstGeom prst="rect">
-            <a:avLst/>
-          </a:prstGeom>
-          <a:noFill/>
-        </p:spPr>
-        <p:txBody>
-          <a:bodyPr wrap="square" rtlCol="0">
-            <a:spAutoFit/>
-          </a:bodyPr>
-          <a:lstStyle/>
-          <a:p>
-            <a:r>
-              <a:rPr lang="en-US" sz="1400" dirty="0" smtClean="0">
-                <a:latin typeface="+mn-lt"/>
-              </a:rPr>
-              <a:t>Why use anything else then linear indexing?</a:t>
-            </a:r>
-          </a:p>
-          <a:p>
-            <a:pPr marL="285750" indent="-285750">
-              <a:buFont typeface="Arial" panose="020B0604020202020204" pitchFamily="34" charset="0"/>
-              <a:buChar char="•"/>
-            </a:pPr>
-            <a:r>
-              <a:rPr lang="en-US" sz="1400" dirty="0" smtClean="0">
-                <a:latin typeface="+mn-lt"/>
-              </a:rPr>
-              <a:t>Because getting coordinates </a:t>
-            </a:r>
-            <a:r>
-              <a:rPr lang="en-US" sz="1400" dirty="0" err="1" smtClean="0">
-                <a:latin typeface="+mn-lt"/>
-              </a:rPr>
-              <a:t>x,y,z</a:t>
-            </a:r>
-            <a:r>
-              <a:rPr lang="en-US" sz="1400" dirty="0" smtClean="0">
-                <a:latin typeface="+mn-lt"/>
-              </a:rPr>
-              <a:t> from linear index when you need them is a pain.</a:t>
-            </a:r>
-          </a:p>
-          <a:p>
-            <a:pPr marL="285750" indent="-285750">
-              <a:buFont typeface="Arial" panose="020B0604020202020204" pitchFamily="34" charset="0"/>
-              <a:buChar char="•"/>
-            </a:pPr>
-            <a:endParaRPr lang="en-GB" sz="1400" dirty="0" smtClean="0">
-              <a:latin typeface="+mn-lt"/>
-            </a:endParaRPr>
-          </a:p>
-        </p:txBody>
-      </p:sp>
-    </p:spTree>
-    <p:extLst>
-      <p:ext uri="{BB962C8B-B14F-4D97-AF65-F5344CB8AC3E}">
-        <p14:creationId xmlns:p14="http://schemas.microsoft.com/office/powerpoint/2010/main" val="3796472367"/>
       </p:ext>
     </p:extLst>
   </p:cSld>
@@ -37393,7 +36217,7 @@
         <a:effectLst/>
         <a:extLst>
           <a:ext uri="{AF507438-7753-43e0-B8FC-AC1667EBCBE1}">
-            <a14:hiddenEffects xmlns:a14="http://schemas.microsoft.com/office/drawing/2010/main" xmlns="">
+            <a14:hiddenEffects xmlns="" xmlns:a14="http://schemas.microsoft.com/office/drawing/2010/main">
               <a:effectLst>
                 <a:outerShdw blurRad="63500" dist="38099" dir="2700000" algn="ctr" rotWithShape="0">
                   <a:schemeClr val="bg2">
@@ -37469,7 +36293,7 @@
         <a:effectLst/>
         <a:extLst>
           <a:ext uri="{AF507438-7753-43e0-B8FC-AC1667EBCBE1}">
-            <a14:hiddenEffects xmlns:a14="http://schemas.microsoft.com/office/drawing/2010/main" xmlns="">
+            <a14:hiddenEffects xmlns="" xmlns:a14="http://schemas.microsoft.com/office/drawing/2010/main">
               <a:effectLst>
                 <a:outerShdw blurRad="63500" dist="38099" dir="2700000" algn="ctr" rotWithShape="0">
                   <a:schemeClr val="bg2">
@@ -38532,15 +37356,6 @@
 </file>
 
 <file path=customXml/item1.xml><?xml version="1.0" encoding="utf-8"?>
-<?mso-contentType ?>
-<FormTemplates xmlns="http://schemas.microsoft.com/sharepoint/v3/contenttype/forms">
-  <Display>DocumentLibraryForm</Display>
-  <Edit>DocumentLibraryForm</Edit>
-  <New>DocumentLibraryForm</New>
-</FormTemplates>
-</file>
-
-<file path=customXml/item2.xml><?xml version="1.0" encoding="utf-8"?>
 <ct:contentTypeSchema xmlns:ct="http://schemas.microsoft.com/office/2006/metadata/contentType" xmlns:ma="http://schemas.microsoft.com/office/2006/metadata/properties/metaAttributes" ct:_="" ma:_="" ma:contentTypeName="Document" ma:contentTypeID="0x010100F087B862386F8A48840A2142C0600765" ma:contentTypeVersion="1" ma:contentTypeDescription="Create a new document." ma:contentTypeScope="" ma:versionID="68e7a6ad2ab34d836eda56dc5c7bc733">
   <xsd:schema xmlns:xsd="http://www.w3.org/2001/XMLSchema" xmlns:xs="http://www.w3.org/2001/XMLSchema" xmlns:p="http://schemas.microsoft.com/office/2006/metadata/properties" xmlns:ns1="http://schemas.microsoft.com/sharepoint/v3" targetNamespace="http://schemas.microsoft.com/office/2006/metadata/properties" ma:root="true" ma:fieldsID="48c5b5cd9b8d25ff6dd15848836f4270" ns1:_="">
     <xsd:import namespace="http://schemas.microsoft.com/sharepoint/v3"/>
@@ -38672,6 +37487,15 @@
 </ct:contentTypeSchema>
 </file>
 
+<file path=customXml/item2.xml><?xml version="1.0" encoding="utf-8"?>
+<?mso-contentType ?>
+<FormTemplates xmlns="http://schemas.microsoft.com/sharepoint/v3/contenttype/forms">
+  <Display>DocumentLibraryForm</Display>
+  <Edit>DocumentLibraryForm</Edit>
+  <New>DocumentLibraryForm</New>
+</FormTemplates>
+</file>
+
 <file path=customXml/item3.xml><?xml version="1.0" encoding="utf-8"?>
 <p:properties xmlns:p="http://schemas.microsoft.com/office/2006/metadata/properties" xmlns:xsi="http://www.w3.org/2001/XMLSchema-instance" xmlns:pc="http://schemas.microsoft.com/office/infopath/2007/PartnerControls">
   <documentManagement>
@@ -38682,14 +37506,6 @@
 </file>
 
 <file path=customXml/itemProps1.xml><?xml version="1.0" encoding="utf-8"?>
-<ds:datastoreItem xmlns:ds="http://schemas.openxmlformats.org/officeDocument/2006/customXml" ds:itemID="{2E0637EC-CEA5-409F-B139-003005A14145}">
-  <ds:schemaRefs>
-    <ds:schemaRef ds:uri="http://schemas.microsoft.com/sharepoint/v3/contenttype/forms"/>
-  </ds:schemaRefs>
-</ds:datastoreItem>
-</file>
-
-<file path=customXml/itemProps2.xml><?xml version="1.0" encoding="utf-8"?>
 <ds:datastoreItem xmlns:ds="http://schemas.openxmlformats.org/officeDocument/2006/customXml" ds:itemID="{866DD9C6-787C-4079-86E8-1446954686C6}">
   <ds:schemaRefs>
     <ds:schemaRef ds:uri="http://schemas.microsoft.com/office/2006/metadata/contentType"/>
@@ -38703,6 +37519,14 @@
     <ds:schemaRef ds:uri="http://purl.org/dc/elements/1.1/"/>
     <ds:schemaRef ds:uri="http://purl.org/dc/terms/"/>
     <ds:schemaRef ds:uri="http://schemas.microsoft.com/internal/obd"/>
+  </ds:schemaRefs>
+</ds:datastoreItem>
+</file>
+
+<file path=customXml/itemProps2.xml><?xml version="1.0" encoding="utf-8"?>
+<ds:datastoreItem xmlns:ds="http://schemas.openxmlformats.org/officeDocument/2006/customXml" ds:itemID="{2E0637EC-CEA5-409F-B139-003005A14145}">
+  <ds:schemaRefs>
+    <ds:schemaRef ds:uri="http://schemas.microsoft.com/sharepoint/v3/contenttype/forms"/>
   </ds:schemaRefs>
 </ds:datastoreItem>
 </file>
